--- a/docs/HealthCareGithub.pptx
+++ b/docs/HealthCareGithub.pptx
@@ -108,6 +108,11 @@
       </a:defRPr>
     </a:lvl9pPr>
   </p:defaultTextStyle>
+  <p:extLst>
+    <p:ext uri="{EFAFB233-063F-42B5-8137-9DF3F51BA10A}">
+      <p15:sldGuideLst xmlns:p15="http://schemas.microsoft.com/office/powerpoint/2012/main"/>
+    </p:ext>
+  </p:extLst>
 </p:presentation>
 </file>
 
@@ -205,7 +210,7 @@
           <a:p>
             <a:fld id="{8E95F30C-C1D7-41BA-97DC-8F18E516EE1F}" type="datetimeFigureOut">
               <a:rPr lang="ko-KR" altLang="en-US" smtClean="0"/>
-              <a:t>2023-03-27</a:t>
+              <a:t>2023-03-29</a:t>
             </a:fld>
             <a:endParaRPr lang="ko-KR" altLang="en-US"/>
           </a:p>
@@ -793,7 +798,7 @@
           <a:p>
             <a:fld id="{9B72DC2D-49A8-40A3-A440-0CD5062A7D7E}" type="datetimeFigureOut">
               <a:rPr lang="ko-KR" altLang="en-US" smtClean="0"/>
-              <a:t>2023-03-27</a:t>
+              <a:t>2023-03-29</a:t>
             </a:fld>
             <a:endParaRPr lang="ko-KR" altLang="en-US"/>
           </a:p>
@@ -991,7 +996,7 @@
           <a:p>
             <a:fld id="{9B72DC2D-49A8-40A3-A440-0CD5062A7D7E}" type="datetimeFigureOut">
               <a:rPr lang="ko-KR" altLang="en-US" smtClean="0"/>
-              <a:t>2023-03-27</a:t>
+              <a:t>2023-03-29</a:t>
             </a:fld>
             <a:endParaRPr lang="ko-KR" altLang="en-US"/>
           </a:p>
@@ -1199,7 +1204,7 @@
           <a:p>
             <a:fld id="{9B72DC2D-49A8-40A3-A440-0CD5062A7D7E}" type="datetimeFigureOut">
               <a:rPr lang="ko-KR" altLang="en-US" smtClean="0"/>
-              <a:t>2023-03-27</a:t>
+              <a:t>2023-03-29</a:t>
             </a:fld>
             <a:endParaRPr lang="ko-KR" altLang="en-US"/>
           </a:p>
@@ -1397,7 +1402,7 @@
           <a:p>
             <a:fld id="{9B72DC2D-49A8-40A3-A440-0CD5062A7D7E}" type="datetimeFigureOut">
               <a:rPr lang="ko-KR" altLang="en-US" smtClean="0"/>
-              <a:t>2023-03-27</a:t>
+              <a:t>2023-03-29</a:t>
             </a:fld>
             <a:endParaRPr lang="ko-KR" altLang="en-US"/>
           </a:p>
@@ -1672,7 +1677,7 @@
           <a:p>
             <a:fld id="{9B72DC2D-49A8-40A3-A440-0CD5062A7D7E}" type="datetimeFigureOut">
               <a:rPr lang="ko-KR" altLang="en-US" smtClean="0"/>
-              <a:t>2023-03-27</a:t>
+              <a:t>2023-03-29</a:t>
             </a:fld>
             <a:endParaRPr lang="ko-KR" altLang="en-US"/>
           </a:p>
@@ -1937,7 +1942,7 @@
           <a:p>
             <a:fld id="{9B72DC2D-49A8-40A3-A440-0CD5062A7D7E}" type="datetimeFigureOut">
               <a:rPr lang="ko-KR" altLang="en-US" smtClean="0"/>
-              <a:t>2023-03-27</a:t>
+              <a:t>2023-03-29</a:t>
             </a:fld>
             <a:endParaRPr lang="ko-KR" altLang="en-US"/>
           </a:p>
@@ -2349,7 +2354,7 @@
           <a:p>
             <a:fld id="{9B72DC2D-49A8-40A3-A440-0CD5062A7D7E}" type="datetimeFigureOut">
               <a:rPr lang="ko-KR" altLang="en-US" smtClean="0"/>
-              <a:t>2023-03-27</a:t>
+              <a:t>2023-03-29</a:t>
             </a:fld>
             <a:endParaRPr lang="ko-KR" altLang="en-US"/>
           </a:p>
@@ -2490,7 +2495,7 @@
           <a:p>
             <a:fld id="{9B72DC2D-49A8-40A3-A440-0CD5062A7D7E}" type="datetimeFigureOut">
               <a:rPr lang="ko-KR" altLang="en-US" smtClean="0"/>
-              <a:t>2023-03-27</a:t>
+              <a:t>2023-03-29</a:t>
             </a:fld>
             <a:endParaRPr lang="ko-KR" altLang="en-US"/>
           </a:p>
@@ -2603,7 +2608,7 @@
           <a:p>
             <a:fld id="{9B72DC2D-49A8-40A3-A440-0CD5062A7D7E}" type="datetimeFigureOut">
               <a:rPr lang="ko-KR" altLang="en-US" smtClean="0"/>
-              <a:t>2023-03-27</a:t>
+              <a:t>2023-03-29</a:t>
             </a:fld>
             <a:endParaRPr lang="ko-KR" altLang="en-US"/>
           </a:p>
@@ -2914,7 +2919,7 @@
           <a:p>
             <a:fld id="{9B72DC2D-49A8-40A3-A440-0CD5062A7D7E}" type="datetimeFigureOut">
               <a:rPr lang="ko-KR" altLang="en-US" smtClean="0"/>
-              <a:t>2023-03-27</a:t>
+              <a:t>2023-03-29</a:t>
             </a:fld>
             <a:endParaRPr lang="ko-KR" altLang="en-US"/>
           </a:p>
@@ -3202,7 +3207,7 @@
           <a:p>
             <a:fld id="{9B72DC2D-49A8-40A3-A440-0CD5062A7D7E}" type="datetimeFigureOut">
               <a:rPr lang="ko-KR" altLang="en-US" smtClean="0"/>
-              <a:t>2023-03-27</a:t>
+              <a:t>2023-03-29</a:t>
             </a:fld>
             <a:endParaRPr lang="ko-KR" altLang="en-US"/>
           </a:p>
@@ -3443,7 +3448,7 @@
           <a:p>
             <a:fld id="{9B72DC2D-49A8-40A3-A440-0CD5062A7D7E}" type="datetimeFigureOut">
               <a:rPr lang="ko-KR" altLang="en-US" smtClean="0"/>
-              <a:t>2023-03-27</a:t>
+              <a:t>2023-03-29</a:t>
             </a:fld>
             <a:endParaRPr lang="ko-KR" altLang="en-US"/>
           </a:p>
@@ -4971,7 +4976,7 @@
                     <a:schemeClr val="tx1"/>
                   </a:solidFill>
                 </a:rPr>
-                <a:t>DTO</a:t>
+                <a:t>Entity</a:t>
               </a:r>
               <a:endParaRPr lang="ko-KR" altLang="en-US" sz="1500" b="1" dirty="0">
                 <a:solidFill>
